--- a/model/bbc-gateway-models.pptx
+++ b/model/bbc-gateway-models.pptx
@@ -6661,165 +6661,6 @@
           </a:prstGeom>
         </p:spPr>
       </p:pic>
-      <p:sp>
-        <p:nvSpPr>
-          <p:cNvPr id="117" name="Oval 116">
-            <a:extLst>
-              <a:ext uri="{FF2B5EF4-FFF2-40B4-BE49-F238E27FC236}">
-                <a16:creationId xmlns:a16="http://schemas.microsoft.com/office/drawing/2014/main" id="{08C14C9C-DC4F-4B7F-A5DD-A6E2F50C1665}"/>
-              </a:ext>
-            </a:extLst>
-          </p:cNvPr>
-          <p:cNvSpPr/>
-          <p:nvPr/>
-        </p:nvSpPr>
-        <p:spPr>
-          <a:xfrm>
-            <a:off x="6000888" y="1466617"/>
-            <a:ext cx="394015" cy="397869"/>
-          </a:xfrm>
-          <a:prstGeom prst="ellipse">
-            <a:avLst/>
-          </a:prstGeom>
-          <a:solidFill>
-            <a:schemeClr val="bg1"/>
-          </a:solidFill>
-          <a:ln>
-            <a:solidFill>
-              <a:schemeClr val="accent1">
-                <a:lumMod val="75000"/>
-              </a:schemeClr>
-            </a:solidFill>
-            <a:prstDash val="sysDot"/>
-          </a:ln>
-        </p:spPr>
-        <p:style>
-          <a:lnRef idx="2">
-            <a:schemeClr val="accent1">
-              <a:shade val="50000"/>
-            </a:schemeClr>
-          </a:lnRef>
-          <a:fillRef idx="1">
-            <a:schemeClr val="accent1"/>
-          </a:fillRef>
-          <a:effectRef idx="0">
-            <a:schemeClr val="accent1"/>
-          </a:effectRef>
-          <a:fontRef idx="minor">
-            <a:schemeClr val="lt1"/>
-          </a:fontRef>
-        </p:style>
-        <p:txBody>
-          <a:bodyPr rot="0" spcFirstLastPara="0" vertOverflow="overflow" horzOverflow="overflow" vert="horz" wrap="square" lIns="0" tIns="0" rIns="0" bIns="36000" numCol="1" spcCol="0" rtlCol="0" fromWordArt="0" anchor="ctr" anchorCtr="0" forceAA="0" compatLnSpc="1">
-            <a:prstTxWarp prst="textNoShape">
-              <a:avLst/>
-            </a:prstTxWarp>
-            <a:noAutofit/>
-          </a:bodyPr>
-          <a:lstStyle/>
-          <a:p>
-            <a:pPr algn="ctr"/>
-            <a:r>
-              <a:rPr lang="en-US" sz="700">
-                <a:solidFill>
-                  <a:srgbClr val="C00000"/>
-                </a:solidFill>
-              </a:rPr>
-              <a:t>current</a:t>
-            </a:r>
-          </a:p>
-          <a:p>
-            <a:pPr algn="ctr"/>
-            <a:r>
-              <a:rPr lang="en-US" sz="700">
-                <a:solidFill>
-                  <a:srgbClr val="C00000"/>
-                </a:solidFill>
-              </a:rPr>
-              <a:t>state</a:t>
-            </a:r>
-            <a:endParaRPr lang="en-AU" sz="700">
-              <a:solidFill>
-                <a:srgbClr val="C00000"/>
-              </a:solidFill>
-            </a:endParaRPr>
-          </a:p>
-        </p:txBody>
-      </p:sp>
-      <p:sp>
-        <p:nvSpPr>
-          <p:cNvPr id="118" name="Oval 117">
-            <a:extLst>
-              <a:ext uri="{FF2B5EF4-FFF2-40B4-BE49-F238E27FC236}">
-                <a16:creationId xmlns:a16="http://schemas.microsoft.com/office/drawing/2014/main" id="{F230A696-E751-4B2F-861B-F41BA854E0EB}"/>
-              </a:ext>
-            </a:extLst>
-          </p:cNvPr>
-          <p:cNvSpPr/>
-          <p:nvPr/>
-        </p:nvSpPr>
-        <p:spPr>
-          <a:xfrm>
-            <a:off x="8489412" y="4036554"/>
-            <a:ext cx="394015" cy="397869"/>
-          </a:xfrm>
-          <a:prstGeom prst="ellipse">
-            <a:avLst/>
-          </a:prstGeom>
-          <a:solidFill>
-            <a:schemeClr val="bg1"/>
-          </a:solidFill>
-          <a:ln>
-            <a:solidFill>
-              <a:schemeClr val="accent1">
-                <a:lumMod val="75000"/>
-              </a:schemeClr>
-            </a:solidFill>
-            <a:prstDash val="sysDot"/>
-          </a:ln>
-        </p:spPr>
-        <p:style>
-          <a:lnRef idx="2">
-            <a:schemeClr val="accent1">
-              <a:shade val="50000"/>
-            </a:schemeClr>
-          </a:lnRef>
-          <a:fillRef idx="1">
-            <a:schemeClr val="accent1"/>
-          </a:fillRef>
-          <a:effectRef idx="0">
-            <a:schemeClr val="accent1"/>
-          </a:effectRef>
-          <a:fontRef idx="minor">
-            <a:schemeClr val="lt1"/>
-          </a:fontRef>
-        </p:style>
-        <p:txBody>
-          <a:bodyPr rot="0" spcFirstLastPara="0" vertOverflow="overflow" horzOverflow="overflow" vert="horz" wrap="square" lIns="0" tIns="0" rIns="0" bIns="36000" numCol="1" spcCol="0" rtlCol="0" fromWordArt="0" anchor="ctr" anchorCtr="0" forceAA="0" compatLnSpc="1">
-            <a:prstTxWarp prst="textNoShape">
-              <a:avLst/>
-            </a:prstTxWarp>
-            <a:noAutofit/>
-          </a:bodyPr>
-          <a:lstStyle/>
-          <a:p>
-            <a:pPr algn="ctr"/>
-            <a:r>
-              <a:rPr lang="en-US" sz="700">
-                <a:solidFill>
-                  <a:srgbClr val="C00000"/>
-                </a:solidFill>
-              </a:rPr>
-              <a:t>Stage 1</a:t>
-            </a:r>
-            <a:endParaRPr lang="en-AU" sz="700">
-              <a:solidFill>
-                <a:srgbClr val="C00000"/>
-              </a:solidFill>
-            </a:endParaRPr>
-          </a:p>
-        </p:txBody>
-      </p:sp>
       <p:pic>
         <p:nvPicPr>
           <p:cNvPr id="1026" name="Picture 2" descr="Microsoft Excel icon">
@@ -10406,80 +10247,6 @@
       </p:pic>
       <p:sp>
         <p:nvSpPr>
-          <p:cNvPr id="118" name="Oval 117">
-            <a:extLst>
-              <a:ext uri="{FF2B5EF4-FFF2-40B4-BE49-F238E27FC236}">
-                <a16:creationId xmlns:a16="http://schemas.microsoft.com/office/drawing/2014/main" id="{F230A696-E751-4B2F-861B-F41BA854E0EB}"/>
-              </a:ext>
-            </a:extLst>
-          </p:cNvPr>
-          <p:cNvSpPr/>
-          <p:nvPr/>
-        </p:nvSpPr>
-        <p:spPr>
-          <a:xfrm>
-            <a:off x="8837113" y="2417144"/>
-            <a:ext cx="394015" cy="397869"/>
-          </a:xfrm>
-          <a:prstGeom prst="ellipse">
-            <a:avLst/>
-          </a:prstGeom>
-          <a:solidFill>
-            <a:schemeClr val="bg1"/>
-          </a:solidFill>
-          <a:ln>
-            <a:solidFill>
-              <a:schemeClr val="accent1">
-                <a:lumMod val="75000"/>
-              </a:schemeClr>
-            </a:solidFill>
-            <a:prstDash val="sysDot"/>
-          </a:ln>
-        </p:spPr>
-        <p:style>
-          <a:lnRef idx="2">
-            <a:schemeClr val="accent1">
-              <a:shade val="50000"/>
-            </a:schemeClr>
-          </a:lnRef>
-          <a:fillRef idx="1">
-            <a:schemeClr val="accent1"/>
-          </a:fillRef>
-          <a:effectRef idx="0">
-            <a:schemeClr val="accent1"/>
-          </a:effectRef>
-          <a:fontRef idx="minor">
-            <a:schemeClr val="lt1"/>
-          </a:fontRef>
-        </p:style>
-        <p:txBody>
-          <a:bodyPr rot="0" spcFirstLastPara="0" vertOverflow="overflow" horzOverflow="overflow" vert="horz" wrap="square" lIns="0" tIns="0" rIns="0" bIns="36000" numCol="1" spcCol="0" rtlCol="0" fromWordArt="0" anchor="ctr" anchorCtr="0" forceAA="0" compatLnSpc="1">
-            <a:prstTxWarp prst="textNoShape">
-              <a:avLst/>
-            </a:prstTxWarp>
-            <a:noAutofit/>
-          </a:bodyPr>
-          <a:lstStyle/>
-          <a:p>
-            <a:pPr algn="ctr"/>
-            <a:r>
-              <a:rPr lang="en-US" sz="700">
-                <a:solidFill>
-                  <a:srgbClr val="C00000"/>
-                </a:solidFill>
-              </a:rPr>
-              <a:t>Stage 2</a:t>
-            </a:r>
-            <a:endParaRPr lang="en-AU" sz="700">
-              <a:solidFill>
-                <a:srgbClr val="C00000"/>
-              </a:solidFill>
-            </a:endParaRPr>
-          </a:p>
-        </p:txBody>
-      </p:sp>
-      <p:sp>
-        <p:nvSpPr>
           <p:cNvPr id="119" name="Freeform: Shape 118">
             <a:extLst>
               <a:ext uri="{FF2B5EF4-FFF2-40B4-BE49-F238E27FC236}">
@@ -12136,80 +11903,6 @@
           </a:prstGeom>
         </p:spPr>
       </p:pic>
-      <p:sp>
-        <p:nvSpPr>
-          <p:cNvPr id="136" name="Oval 135">
-            <a:extLst>
-              <a:ext uri="{FF2B5EF4-FFF2-40B4-BE49-F238E27FC236}">
-                <a16:creationId xmlns:a16="http://schemas.microsoft.com/office/drawing/2014/main" id="{B966CA44-1A15-4D1F-A139-952E97FD018B}"/>
-              </a:ext>
-            </a:extLst>
-          </p:cNvPr>
-          <p:cNvSpPr/>
-          <p:nvPr/>
-        </p:nvSpPr>
-        <p:spPr>
-          <a:xfrm>
-            <a:off x="5856988" y="4126585"/>
-            <a:ext cx="394015" cy="397869"/>
-          </a:xfrm>
-          <a:prstGeom prst="ellipse">
-            <a:avLst/>
-          </a:prstGeom>
-          <a:solidFill>
-            <a:schemeClr val="bg1"/>
-          </a:solidFill>
-          <a:ln>
-            <a:solidFill>
-              <a:schemeClr val="accent1">
-                <a:lumMod val="75000"/>
-              </a:schemeClr>
-            </a:solidFill>
-            <a:prstDash val="sysDot"/>
-          </a:ln>
-        </p:spPr>
-        <p:style>
-          <a:lnRef idx="2">
-            <a:schemeClr val="accent1">
-              <a:shade val="50000"/>
-            </a:schemeClr>
-          </a:lnRef>
-          <a:fillRef idx="1">
-            <a:schemeClr val="accent1"/>
-          </a:fillRef>
-          <a:effectRef idx="0">
-            <a:schemeClr val="accent1"/>
-          </a:effectRef>
-          <a:fontRef idx="minor">
-            <a:schemeClr val="lt1"/>
-          </a:fontRef>
-        </p:style>
-        <p:txBody>
-          <a:bodyPr rot="0" spcFirstLastPara="0" vertOverflow="overflow" horzOverflow="overflow" vert="horz" wrap="square" lIns="0" tIns="0" rIns="0" bIns="36000" numCol="1" spcCol="0" rtlCol="0" fromWordArt="0" anchor="ctr" anchorCtr="0" forceAA="0" compatLnSpc="1">
-            <a:prstTxWarp prst="textNoShape">
-              <a:avLst/>
-            </a:prstTxWarp>
-            <a:noAutofit/>
-          </a:bodyPr>
-          <a:lstStyle/>
-          <a:p>
-            <a:pPr algn="ctr"/>
-            <a:r>
-              <a:rPr lang="en-US" sz="700">
-                <a:solidFill>
-                  <a:srgbClr val="C00000"/>
-                </a:solidFill>
-              </a:rPr>
-              <a:t>Stage 3</a:t>
-            </a:r>
-            <a:endParaRPr lang="en-AU" sz="700">
-              <a:solidFill>
-                <a:srgbClr val="C00000"/>
-              </a:solidFill>
-            </a:endParaRPr>
-          </a:p>
-        </p:txBody>
-      </p:sp>
       <p:sp>
         <p:nvSpPr>
           <p:cNvPr id="137" name="Freeform: Shape 136">
